--- a/R4 電力 問15a,b.pptx
+++ b/R4 電力 問15a,b.pptx
@@ -12,8 +12,7 @@
     <p:sldId id="260" r:id="rId6"/>
     <p:sldId id="262" r:id="rId7"/>
     <p:sldId id="261" r:id="rId8"/>
-    <p:sldId id="263" r:id="rId9"/>
-    <p:sldId id="264" r:id="rId10"/>
+    <p:sldId id="264" r:id="rId9"/>
   </p:sldIdLst>
   <p:sldSz cx="12192000" cy="6858000"/>
   <p:notesSz cx="6858000" cy="9144000"/>
@@ -7976,7 +7975,7 @@
         </p:nvSpPr>
         <p:spPr>
           <a:xfrm>
-            <a:off x="2880596" y="1242705"/>
+            <a:off x="2895319" y="1335506"/>
             <a:ext cx="2723823" cy="369332"/>
           </a:xfrm>
           <a:prstGeom prst="rect">
@@ -8014,7 +8013,7 @@
             </p:nvSpPr>
             <p:spPr>
               <a:xfrm>
-                <a:off x="6244090" y="1228929"/>
+                <a:off x="7386934" y="250638"/>
                 <a:ext cx="2360583" cy="276999"/>
               </a:xfrm>
               <a:prstGeom prst="rect">
@@ -8109,7 +8108,7 @@
             </p:nvSpPr>
             <p:spPr>
               <a:xfrm>
-                <a:off x="6244090" y="1228929"/>
+                <a:off x="7386934" y="250638"/>
                 <a:ext cx="2360583" cy="276999"/>
               </a:xfrm>
               <a:prstGeom prst="rect">
@@ -8118,7 +8117,7 @@
               <a:blipFill>
                 <a:blip r:embed="rId3"/>
                 <a:stretch>
-                  <a:fillRect l="-1546" t="-4444" r="-2835" b="-37778"/>
+                  <a:fillRect l="-1809" t="-2174" r="-2842" b="-36957"/>
                 </a:stretch>
               </a:blipFill>
             </p:spPr>
@@ -8153,7 +8152,7 @@
             </p:nvSpPr>
             <p:spPr>
               <a:xfrm>
-                <a:off x="6244090" y="1612037"/>
+                <a:off x="7386934" y="633746"/>
                 <a:ext cx="2360583" cy="276999"/>
               </a:xfrm>
               <a:prstGeom prst="rect">
@@ -8248,7 +8247,7 @@
             </p:nvSpPr>
             <p:spPr>
               <a:xfrm>
-                <a:off x="6244090" y="1612037"/>
+                <a:off x="7386934" y="633746"/>
                 <a:ext cx="2360583" cy="276999"/>
               </a:xfrm>
               <a:prstGeom prst="rect">
@@ -8257,7 +8256,7 @@
               <a:blipFill>
                 <a:blip r:embed="rId4"/>
                 <a:stretch>
-                  <a:fillRect l="-1546" t="-2174" r="-2835" b="-36957"/>
+                  <a:fillRect l="-1809" t="-4444" r="-2842" b="-37778"/>
                 </a:stretch>
               </a:blipFill>
             </p:spPr>
@@ -8290,7 +8289,7 @@
         </p:nvCxnSpPr>
         <p:spPr>
           <a:xfrm flipH="1" flipV="1">
-            <a:off x="7256477" y="1995145"/>
+            <a:off x="8399321" y="1016854"/>
             <a:ext cx="167904" cy="303438"/>
           </a:xfrm>
           <a:prstGeom prst="straightConnector1">
@@ -8337,7 +8336,7 @@
         </p:blipFill>
         <p:spPr>
           <a:xfrm>
-            <a:off x="6904714" y="2342000"/>
+            <a:off x="8047558" y="1363709"/>
             <a:ext cx="1306892" cy="214832"/>
           </a:xfrm>
           <a:prstGeom prst="rect">
@@ -8361,7 +8360,7 @@
         </p:nvCxnSpPr>
         <p:spPr>
           <a:xfrm flipH="1" flipV="1">
-            <a:off x="7818539" y="1915475"/>
+            <a:off x="8961383" y="937184"/>
             <a:ext cx="786134" cy="309040"/>
           </a:xfrm>
           <a:prstGeom prst="straightConnector1">
@@ -8402,7 +8401,7 @@
             </p:nvSpPr>
             <p:spPr>
               <a:xfrm>
-                <a:off x="8604673" y="2224515"/>
+                <a:off x="9747517" y="1246224"/>
                 <a:ext cx="2326919" cy="369332"/>
               </a:xfrm>
               <a:prstGeom prst="rect">
@@ -8514,7 +8513,7 @@
             </p:nvSpPr>
             <p:spPr>
               <a:xfrm>
-                <a:off x="8604673" y="2224515"/>
+                <a:off x="9747517" y="1246224"/>
                 <a:ext cx="2326919" cy="369332"/>
               </a:xfrm>
               <a:prstGeom prst="rect">
@@ -8523,7 +8522,7 @@
               <a:blipFill>
                 <a:blip r:embed="rId6"/>
                 <a:stretch>
-                  <a:fillRect b="-16667"/>
+                  <a:fillRect b="-14754"/>
                 </a:stretch>
               </a:blipFill>
             </p:spPr>
@@ -8556,7 +8555,7 @@
         </p:nvSpPr>
         <p:spPr>
           <a:xfrm>
-            <a:off x="6795083" y="1612037"/>
+            <a:off x="7937927" y="633746"/>
             <a:ext cx="1023456" cy="276999"/>
           </a:xfrm>
           <a:prstGeom prst="rect">
@@ -8612,7 +8611,7 @@
             </p:nvSpPr>
             <p:spPr>
               <a:xfrm>
-                <a:off x="7988111" y="2639962"/>
+                <a:off x="9130955" y="1661671"/>
                 <a:ext cx="1625672" cy="612199"/>
               </a:xfrm>
               <a:prstGeom prst="rect">
@@ -8863,7 +8862,7 @@
             </p:nvSpPr>
             <p:spPr>
               <a:xfrm>
-                <a:off x="7988111" y="2639962"/>
+                <a:off x="9130955" y="1661671"/>
                 <a:ext cx="1625672" cy="612199"/>
               </a:xfrm>
               <a:prstGeom prst="rect">
@@ -9100,7 +9099,7 @@
             <p:spPr>
               <a:xfrm>
                 <a:off x="1395253" y="2455347"/>
-                <a:ext cx="1772986" cy="520399"/>
+                <a:ext cx="1898468" cy="520399"/>
               </a:xfrm>
               <a:prstGeom prst="rect">
                 <a:avLst/>
@@ -9172,7 +9171,7 @@
                         <a:rPr kumimoji="1" lang="en-US" altLang="ja-JP" b="0" i="1" smtClean="0">
                           <a:latin typeface="Cambria Math" panose="02040503050406030204" pitchFamily="18" charset="0"/>
                         </a:rPr>
-                        <m:t>𝑘𝑤</m:t>
+                        <m:t>𝑘𝑤h</m:t>
                       </m:r>
                       <m:r>
                         <a:rPr kumimoji="1" lang="en-US" altLang="ja-JP" b="0" i="1" smtClean="0">
@@ -9206,7 +9205,7 @@
             <p:spPr>
               <a:xfrm>
                 <a:off x="1395253" y="2455347"/>
-                <a:ext cx="1772986" cy="520399"/>
+                <a:ext cx="1898468" cy="520399"/>
               </a:xfrm>
               <a:prstGeom prst="rect">
                 <a:avLst/>
@@ -9286,7 +9285,7 @@
             <p:spPr>
               <a:xfrm>
                 <a:off x="1395253" y="3197689"/>
-                <a:ext cx="2189317" cy="567271"/>
+                <a:ext cx="2314801" cy="567271"/>
               </a:xfrm>
               <a:prstGeom prst="rect">
                 <a:avLst/>
@@ -9408,7 +9407,7 @@
                         <a:rPr kumimoji="1" lang="en-US" altLang="ja-JP" b="0" i="1" smtClean="0">
                           <a:latin typeface="Cambria Math" panose="02040503050406030204" pitchFamily="18" charset="0"/>
                         </a:rPr>
-                        <m:t>𝑘𝑤</m:t>
+                        <m:t>𝑘𝑤h</m:t>
                       </m:r>
                       <m:r>
                         <a:rPr kumimoji="1" lang="en-US" altLang="ja-JP" b="0" i="1" smtClean="0">
@@ -9442,7 +9441,7 @@
             <p:spPr>
               <a:xfrm>
                 <a:off x="1395253" y="3197689"/>
-                <a:ext cx="2189317" cy="567271"/>
+                <a:ext cx="2314801" cy="567271"/>
               </a:xfrm>
               <a:prstGeom prst="rect">
                 <a:avLst/>
@@ -9522,7 +9521,7 @@
             <p:spPr>
               <a:xfrm>
                 <a:off x="1395253" y="4055829"/>
-                <a:ext cx="3309880" cy="555793"/>
+                <a:ext cx="3435364" cy="555793"/>
               </a:xfrm>
               <a:prstGeom prst="rect">
                 <a:avLst/>
@@ -9644,7 +9643,7 @@
                         <a:rPr kumimoji="1" lang="en-US" altLang="ja-JP" b="0" i="1" smtClean="0">
                           <a:latin typeface="Cambria Math" panose="02040503050406030204" pitchFamily="18" charset="0"/>
                         </a:rPr>
-                        <m:t>𝑘𝑤</m:t>
+                        <m:t>𝑘𝑤h</m:t>
                       </m:r>
                       <m:r>
                         <a:rPr kumimoji="1" lang="en-US" altLang="ja-JP" b="0" i="1" smtClean="0">
@@ -9678,7 +9677,7 @@
             <p:spPr>
               <a:xfrm>
                 <a:off x="1395253" y="4055829"/>
-                <a:ext cx="3309880" cy="555793"/>
+                <a:ext cx="3435364" cy="555793"/>
               </a:xfrm>
               <a:prstGeom prst="rect">
                 <a:avLst/>
@@ -9852,6 +9851,239 @@
           </p:sp>
         </mc:Fallback>
       </mc:AlternateContent>
+      <mc:AlternateContent xmlns:mc="http://schemas.openxmlformats.org/markup-compatibility/2006">
+        <mc:Choice xmlns:a14="http://schemas.microsoft.com/office/drawing/2010/main" Requires="a14">
+          <p:sp>
+            <p:nvSpPr>
+              <p:cNvPr id="27" name="テキスト ボックス 26">
+                <a:extLst>
+                  <a:ext uri="{FF2B5EF4-FFF2-40B4-BE49-F238E27FC236}">
+                    <a16:creationId xmlns:a16="http://schemas.microsoft.com/office/drawing/2014/main" id="{6B914930-A121-58BE-1E6D-5DC2CAAEDB9D}"/>
+                  </a:ext>
+                </a:extLst>
+              </p:cNvPr>
+              <p:cNvSpPr txBox="1"/>
+              <p:nvPr/>
+            </p:nvSpPr>
+            <p:spPr>
+              <a:xfrm>
+                <a:off x="1395253" y="5380943"/>
+                <a:ext cx="1819601" cy="276999"/>
+              </a:xfrm>
+              <a:prstGeom prst="rect">
+                <a:avLst/>
+              </a:prstGeom>
+              <a:noFill/>
+            </p:spPr>
+            <p:txBody>
+              <a:bodyPr wrap="none" lIns="0" tIns="0" rIns="0" bIns="0" rtlCol="0">
+                <a:spAutoFit/>
+              </a:bodyPr>
+              <a:lstStyle/>
+              <a:p>
+                <a14:m>
+                  <m:oMathPara xmlns:m="http://schemas.openxmlformats.org/officeDocument/2006/math">
+                    <m:oMathParaPr>
+                      <m:jc m:val="centerGroup"/>
+                    </m:oMathParaPr>
+                    <m:oMath xmlns:m="http://schemas.openxmlformats.org/officeDocument/2006/math">
+                      <m:r>
+                        <a:rPr kumimoji="1" lang="en-US" altLang="ja-JP" b="0" i="1" smtClean="0">
+                          <a:latin typeface="Cambria Math" panose="02040503050406030204" pitchFamily="18" charset="0"/>
+                        </a:rPr>
+                        <m:t>𝑊</m:t>
+                      </m:r>
+                      <m:r>
+                        <a:rPr kumimoji="1" lang="en-US" altLang="ja-JP" b="0" i="1" smtClean="0">
+                          <a:latin typeface="Cambria Math" panose="02040503050406030204" pitchFamily="18" charset="0"/>
+                        </a:rPr>
+                        <m:t>=2500 [</m:t>
+                      </m:r>
+                      <m:r>
+                        <a:rPr kumimoji="1" lang="en-US" altLang="ja-JP" b="0" i="1" smtClean="0">
+                          <a:latin typeface="Cambria Math" panose="02040503050406030204" pitchFamily="18" charset="0"/>
+                        </a:rPr>
+                        <m:t>𝑀𝑤h</m:t>
+                      </m:r>
+                      <m:r>
+                        <a:rPr kumimoji="1" lang="en-US" altLang="ja-JP" b="0" i="1" smtClean="0">
+                          <a:latin typeface="Cambria Math" panose="02040503050406030204" pitchFamily="18" charset="0"/>
+                        </a:rPr>
+                        <m:t>]</m:t>
+                      </m:r>
+                    </m:oMath>
+                  </m:oMathPara>
+                </a14:m>
+                <a:endParaRPr kumimoji="1" lang="ja-JP" altLang="en-US" dirty="0"/>
+              </a:p>
+            </p:txBody>
+          </p:sp>
+        </mc:Choice>
+        <mc:Fallback>
+          <p:sp>
+            <p:nvSpPr>
+              <p:cNvPr id="27" name="テキスト ボックス 26">
+                <a:extLst>
+                  <a:ext uri="{FF2B5EF4-FFF2-40B4-BE49-F238E27FC236}">
+                    <a16:creationId xmlns:a16="http://schemas.microsoft.com/office/drawing/2014/main" id="{6B914930-A121-58BE-1E6D-5DC2CAAEDB9D}"/>
+                  </a:ext>
+                </a:extLst>
+              </p:cNvPr>
+              <p:cNvSpPr txBox="1">
+                <a:spLocks noRot="1" noChangeAspect="1" noMove="1" noResize="1" noEditPoints="1" noAdjustHandles="1" noChangeArrowheads="1" noChangeShapeType="1" noTextEdit="1"/>
+              </p:cNvSpPr>
+              <p:nvPr/>
+            </p:nvSpPr>
+            <p:spPr>
+              <a:xfrm>
+                <a:off x="1395253" y="5380943"/>
+                <a:ext cx="1819601" cy="276999"/>
+              </a:xfrm>
+              <a:prstGeom prst="rect">
+                <a:avLst/>
+              </a:prstGeom>
+              <a:blipFill>
+                <a:blip r:embed="rId13"/>
+                <a:stretch>
+                  <a:fillRect l="-2349" t="-4444" r="-4027" b="-37778"/>
+                </a:stretch>
+              </a:blipFill>
+            </p:spPr>
+            <p:txBody>
+              <a:bodyPr/>
+              <a:lstStyle/>
+              <a:p>
+                <a:r>
+                  <a:rPr lang="ja-JP" altLang="en-US">
+                    <a:noFill/>
+                  </a:rPr>
+                  <a:t> </a:t>
+                </a:r>
+              </a:p>
+            </p:txBody>
+          </p:sp>
+        </mc:Fallback>
+      </mc:AlternateContent>
+      <p:sp>
+        <p:nvSpPr>
+          <p:cNvPr id="28" name="思考の吹き出し: 雲形 27">
+            <a:extLst>
+              <a:ext uri="{FF2B5EF4-FFF2-40B4-BE49-F238E27FC236}">
+                <a16:creationId xmlns:a16="http://schemas.microsoft.com/office/drawing/2014/main" id="{C701FB5D-829F-5686-D112-34DDEC525956}"/>
+              </a:ext>
+            </a:extLst>
+          </p:cNvPr>
+          <p:cNvSpPr/>
+          <p:nvPr/>
+        </p:nvSpPr>
+        <p:spPr>
+          <a:xfrm>
+            <a:off x="5860529" y="3172045"/>
+            <a:ext cx="5618941" cy="1413933"/>
+          </a:xfrm>
+          <a:prstGeom prst="cloudCallout">
+            <a:avLst>
+              <a:gd name="adj1" fmla="val -39493"/>
+              <a:gd name="adj2" fmla="val -81081"/>
+            </a:avLst>
+          </a:prstGeom>
+          <a:noFill/>
+        </p:spPr>
+        <p:style>
+          <a:lnRef idx="2">
+            <a:schemeClr val="accent1">
+              <a:shade val="50000"/>
+            </a:schemeClr>
+          </a:lnRef>
+          <a:fillRef idx="1">
+            <a:schemeClr val="accent1"/>
+          </a:fillRef>
+          <a:effectRef idx="0">
+            <a:schemeClr val="accent1"/>
+          </a:effectRef>
+          <a:fontRef idx="minor">
+            <a:schemeClr val="lt1"/>
+          </a:fontRef>
+        </p:style>
+        <p:txBody>
+          <a:bodyPr rtlCol="0" anchor="ctr"/>
+          <a:lstStyle/>
+          <a:p>
+            <a:pPr algn="ctr"/>
+            <a:endParaRPr kumimoji="1" lang="ja-JP" altLang="en-US"/>
+          </a:p>
+        </p:txBody>
+      </p:sp>
+      <p:pic>
+        <p:nvPicPr>
+          <p:cNvPr id="30" name="図 29">
+            <a:extLst>
+              <a:ext uri="{FF2B5EF4-FFF2-40B4-BE49-F238E27FC236}">
+                <a16:creationId xmlns:a16="http://schemas.microsoft.com/office/drawing/2014/main" id="{5EA71BD8-C654-DA1A-1B6B-38C8F4677D94}"/>
+              </a:ext>
+            </a:extLst>
+          </p:cNvPr>
+          <p:cNvPicPr>
+            <a:picLocks noChangeAspect="1"/>
+          </p:cNvPicPr>
+          <p:nvPr/>
+        </p:nvPicPr>
+        <p:blipFill>
+          <a:blip r:embed="rId14"/>
+          <a:stretch>
+            <a:fillRect/>
+          </a:stretch>
+        </p:blipFill>
+        <p:spPr>
+          <a:xfrm>
+            <a:off x="6624606" y="3469017"/>
+            <a:ext cx="4187964" cy="591886"/>
+          </a:xfrm>
+          <a:prstGeom prst="rect">
+            <a:avLst/>
+          </a:prstGeom>
+        </p:spPr>
+      </p:pic>
+      <p:sp>
+        <p:nvSpPr>
+          <p:cNvPr id="31" name="テキスト ボックス 30">
+            <a:extLst>
+              <a:ext uri="{FF2B5EF4-FFF2-40B4-BE49-F238E27FC236}">
+                <a16:creationId xmlns:a16="http://schemas.microsoft.com/office/drawing/2014/main" id="{BB7CE63E-A5B9-03A5-AECE-548000D9535A}"/>
+              </a:ext>
+            </a:extLst>
+          </p:cNvPr>
+          <p:cNvSpPr txBox="1"/>
+          <p:nvPr/>
+        </p:nvSpPr>
+        <p:spPr>
+          <a:xfrm>
+            <a:off x="5698294" y="2319985"/>
+            <a:ext cx="795411" cy="369332"/>
+          </a:xfrm>
+          <a:prstGeom prst="rect">
+            <a:avLst/>
+          </a:prstGeom>
+          <a:noFill/>
+        </p:spPr>
+        <p:txBody>
+          <a:bodyPr wrap="none" rtlCol="0">
+            <a:spAutoFit/>
+          </a:bodyPr>
+          <a:lstStyle/>
+          <a:p>
+            <a:r>
+              <a:rPr lang="en-US" altLang="ja-JP" dirty="0"/>
+              <a:t>V…</a:t>
+            </a:r>
+            <a:r>
+              <a:rPr lang="ja-JP" altLang="en-US" dirty="0"/>
+              <a:t>？</a:t>
+            </a:r>
+            <a:endParaRPr kumimoji="1" lang="en-US" altLang="ja-JP" dirty="0"/>
+          </a:p>
+        </p:txBody>
+      </p:sp>
     </p:spTree>
     <p:extLst>
       <p:ext uri="{BB962C8B-B14F-4D97-AF65-F5344CB8AC3E}">
@@ -9866,36 +10098,6 @@
 </file>
 
 <file path=ppt/slides/slide8.xml><?xml version="1.0" encoding="utf-8"?>
-<p:sld xmlns:a="http://schemas.openxmlformats.org/drawingml/2006/main" xmlns:r="http://schemas.openxmlformats.org/officeDocument/2006/relationships" xmlns:p="http://schemas.openxmlformats.org/presentationml/2006/main">
-  <p:cSld>
-    <p:spTree>
-      <p:nvGrpSpPr>
-        <p:cNvPr id="1" name=""/>
-        <p:cNvGrpSpPr/>
-        <p:nvPr/>
-      </p:nvGrpSpPr>
-      <p:grpSpPr>
-        <a:xfrm>
-          <a:off x="0" y="0"/>
-          <a:ext cx="0" cy="0"/>
-          <a:chOff x="0" y="0"/>
-          <a:chExt cx="0" cy="0"/>
-        </a:xfrm>
-      </p:grpSpPr>
-    </p:spTree>
-    <p:extLst>
-      <p:ext uri="{BB962C8B-B14F-4D97-AF65-F5344CB8AC3E}">
-        <p14:creationId xmlns:p14="http://schemas.microsoft.com/office/powerpoint/2010/main" val="3113418826"/>
-      </p:ext>
-    </p:extLst>
-  </p:cSld>
-  <p:clrMapOvr>
-    <a:masterClrMapping/>
-  </p:clrMapOvr>
-</p:sld>
-</file>
-
-<file path=ppt/slides/slide9.xml><?xml version="1.0" encoding="utf-8"?>
 <p:sld xmlns:a="http://schemas.openxmlformats.org/drawingml/2006/main" xmlns:r="http://schemas.openxmlformats.org/officeDocument/2006/relationships" xmlns:p="http://schemas.openxmlformats.org/presentationml/2006/main">
   <p:cSld>
     <p:spTree>
